--- a/k.pptx
+++ b/k.pptx
@@ -105,6 +105,11 @@
       </a:defRPr>
     </a:lvl9pPr>
   </p:defaultTextStyle>
+  <p:extLst>
+    <p:ext uri="{EFAFB233-063F-42B5-8137-9DF3F51BA10A}">
+      <p15:sldGuideLst xmlns:p15="http://schemas.microsoft.com/office/powerpoint/2012/main"/>
+    </p:ext>
+  </p:extLst>
 </p:presentation>
 </file>
 
@@ -153,7 +158,6 @@
               <a:rPr lang="en-US"/>
               <a:t>Click to edit Master title style</a:t>
             </a:r>
-            <a:endParaRPr lang="en-US"/>
           </a:p>
         </p:txBody>
       </p:sp>
@@ -218,7 +222,6 @@
               <a:rPr lang="en-US"/>
               <a:t>Click to edit Master subtitle style</a:t>
             </a:r>
-            <a:endParaRPr lang="en-US"/>
           </a:p>
         </p:txBody>
       </p:sp>
@@ -239,7 +242,7 @@
           <a:p>
             <a:fld id="{28C9491D-A6C2-4052-BA51-5D8AB95B9E9E}" type="datetimeFigureOut">
               <a:rPr lang="en-US" smtClean="0"/>
-              <a:t>3/6/2017</a:t>
+              <a:t>09-Mar-17</a:t>
             </a:fld>
             <a:endParaRPr lang="en-US"/>
           </a:p>
@@ -336,7 +339,6 @@
               <a:rPr lang="en-US"/>
               <a:t>Click to edit Master title style</a:t>
             </a:r>
-            <a:endParaRPr lang="en-US"/>
           </a:p>
         </p:txBody>
       </p:sp>
@@ -388,7 +390,6 @@
               <a:rPr lang="en-US"/>
               <a:t>Fifth level</a:t>
             </a:r>
-            <a:endParaRPr lang="en-US"/>
           </a:p>
         </p:txBody>
       </p:sp>
@@ -409,7 +410,7 @@
           <a:p>
             <a:fld id="{28C9491D-A6C2-4052-BA51-5D8AB95B9E9E}" type="datetimeFigureOut">
               <a:rPr lang="en-US" smtClean="0"/>
-              <a:t>3/6/2017</a:t>
+              <a:t>09-Mar-17</a:t>
             </a:fld>
             <a:endParaRPr lang="en-US"/>
           </a:p>
@@ -511,7 +512,6 @@
               <a:rPr lang="en-US"/>
               <a:t>Click to edit Master title style</a:t>
             </a:r>
-            <a:endParaRPr lang="en-US"/>
           </a:p>
         </p:txBody>
       </p:sp>
@@ -568,7 +568,6 @@
               <a:rPr lang="en-US"/>
               <a:t>Fifth level</a:t>
             </a:r>
-            <a:endParaRPr lang="en-US"/>
           </a:p>
         </p:txBody>
       </p:sp>
@@ -589,7 +588,7 @@
           <a:p>
             <a:fld id="{28C9491D-A6C2-4052-BA51-5D8AB95B9E9E}" type="datetimeFigureOut">
               <a:rPr lang="en-US" smtClean="0"/>
-              <a:t>3/6/2017</a:t>
+              <a:t>09-Mar-17</a:t>
             </a:fld>
             <a:endParaRPr lang="en-US"/>
           </a:p>
@@ -686,7 +685,6 @@
               <a:rPr lang="en-US"/>
               <a:t>Click to edit Master title style</a:t>
             </a:r>
-            <a:endParaRPr lang="en-US"/>
           </a:p>
         </p:txBody>
       </p:sp>
@@ -738,7 +736,6 @@
               <a:rPr lang="en-US"/>
               <a:t>Fifth level</a:t>
             </a:r>
-            <a:endParaRPr lang="en-US"/>
           </a:p>
         </p:txBody>
       </p:sp>
@@ -759,7 +756,7 @@
           <a:p>
             <a:fld id="{28C9491D-A6C2-4052-BA51-5D8AB95B9E9E}" type="datetimeFigureOut">
               <a:rPr lang="en-US" smtClean="0"/>
-              <a:t>3/6/2017</a:t>
+              <a:t>09-Mar-17</a:t>
             </a:fld>
             <a:endParaRPr lang="en-US"/>
           </a:p>
@@ -865,7 +862,6 @@
               <a:rPr lang="en-US"/>
               <a:t>Click to edit Master title style</a:t>
             </a:r>
-            <a:endParaRPr lang="en-US"/>
           </a:p>
         </p:txBody>
       </p:sp>
@@ -1005,7 +1001,7 @@
           <a:p>
             <a:fld id="{28C9491D-A6C2-4052-BA51-5D8AB95B9E9E}" type="datetimeFigureOut">
               <a:rPr lang="en-US" smtClean="0"/>
-              <a:t>3/6/2017</a:t>
+              <a:t>09-Mar-17</a:t>
             </a:fld>
             <a:endParaRPr lang="en-US"/>
           </a:p>
@@ -1102,7 +1098,6 @@
               <a:rPr lang="en-US"/>
               <a:t>Click to edit Master title style</a:t>
             </a:r>
-            <a:endParaRPr lang="en-US"/>
           </a:p>
         </p:txBody>
       </p:sp>
@@ -1159,7 +1154,6 @@
               <a:rPr lang="en-US"/>
               <a:t>Fifth level</a:t>
             </a:r>
-            <a:endParaRPr lang="en-US"/>
           </a:p>
         </p:txBody>
       </p:sp>
@@ -1216,7 +1210,6 @@
               <a:rPr lang="en-US"/>
               <a:t>Fifth level</a:t>
             </a:r>
-            <a:endParaRPr lang="en-US"/>
           </a:p>
         </p:txBody>
       </p:sp>
@@ -1237,7 +1230,7 @@
           <a:p>
             <a:fld id="{28C9491D-A6C2-4052-BA51-5D8AB95B9E9E}" type="datetimeFigureOut">
               <a:rPr lang="en-US" smtClean="0"/>
-              <a:t>3/6/2017</a:t>
+              <a:t>09-Mar-17</a:t>
             </a:fld>
             <a:endParaRPr lang="en-US"/>
           </a:p>
@@ -1339,7 +1332,6 @@
               <a:rPr lang="en-US"/>
               <a:t>Click to edit Master title style</a:t>
             </a:r>
-            <a:endParaRPr lang="en-US"/>
           </a:p>
         </p:txBody>
       </p:sp>
@@ -1461,7 +1453,6 @@
               <a:rPr lang="en-US"/>
               <a:t>Fifth level</a:t>
             </a:r>
-            <a:endParaRPr lang="en-US"/>
           </a:p>
         </p:txBody>
       </p:sp>
@@ -1583,7 +1574,6 @@
               <a:rPr lang="en-US"/>
               <a:t>Fifth level</a:t>
             </a:r>
-            <a:endParaRPr lang="en-US"/>
           </a:p>
         </p:txBody>
       </p:sp>
@@ -1604,7 +1594,7 @@
           <a:p>
             <a:fld id="{28C9491D-A6C2-4052-BA51-5D8AB95B9E9E}" type="datetimeFigureOut">
               <a:rPr lang="en-US" smtClean="0"/>
-              <a:t>3/6/2017</a:t>
+              <a:t>09-Mar-17</a:t>
             </a:fld>
             <a:endParaRPr lang="en-US"/>
           </a:p>
@@ -1701,7 +1691,6 @@
               <a:rPr lang="en-US"/>
               <a:t>Click to edit Master title style</a:t>
             </a:r>
-            <a:endParaRPr lang="en-US"/>
           </a:p>
         </p:txBody>
       </p:sp>
@@ -1722,7 +1711,7 @@
           <a:p>
             <a:fld id="{28C9491D-A6C2-4052-BA51-5D8AB95B9E9E}" type="datetimeFigureOut">
               <a:rPr lang="en-US" smtClean="0"/>
-              <a:t>3/6/2017</a:t>
+              <a:t>09-Mar-17</a:t>
             </a:fld>
             <a:endParaRPr lang="en-US"/>
           </a:p>
@@ -1817,7 +1806,7 @@
           <a:p>
             <a:fld id="{28C9491D-A6C2-4052-BA51-5D8AB95B9E9E}" type="datetimeFigureOut">
               <a:rPr lang="en-US" smtClean="0"/>
-              <a:t>3/6/2017</a:t>
+              <a:t>09-Mar-17</a:t>
             </a:fld>
             <a:endParaRPr lang="en-US"/>
           </a:p>
@@ -1923,7 +1912,6 @@
               <a:rPr lang="en-US"/>
               <a:t>Click to edit Master title style</a:t>
             </a:r>
-            <a:endParaRPr lang="en-US"/>
           </a:p>
         </p:txBody>
       </p:sp>
@@ -2008,7 +1996,6 @@
               <a:rPr lang="en-US"/>
               <a:t>Fifth level</a:t>
             </a:r>
-            <a:endParaRPr lang="en-US"/>
           </a:p>
         </p:txBody>
       </p:sp>
@@ -2094,7 +2081,7 @@
           <a:p>
             <a:fld id="{28C9491D-A6C2-4052-BA51-5D8AB95B9E9E}" type="datetimeFigureOut">
               <a:rPr lang="en-US" smtClean="0"/>
-              <a:t>3/6/2017</a:t>
+              <a:t>09-Mar-17</a:t>
             </a:fld>
             <a:endParaRPr lang="en-US"/>
           </a:p>
@@ -2200,7 +2187,6 @@
               <a:rPr lang="en-US"/>
               <a:t>Click to edit Master title style</a:t>
             </a:r>
-            <a:endParaRPr lang="en-US"/>
           </a:p>
         </p:txBody>
       </p:sp>
@@ -2347,7 +2333,7 @@
           <a:p>
             <a:fld id="{28C9491D-A6C2-4052-BA51-5D8AB95B9E9E}" type="datetimeFigureOut">
               <a:rPr lang="en-US" smtClean="0"/>
-              <a:t>3/6/2017</a:t>
+              <a:t>09-Mar-17</a:t>
             </a:fld>
             <a:endParaRPr lang="en-US"/>
           </a:p>
@@ -2459,7 +2445,6 @@
               <a:rPr lang="en-US"/>
               <a:t>Click to edit Master title style</a:t>
             </a:r>
-            <a:endParaRPr lang="en-US"/>
           </a:p>
         </p:txBody>
       </p:sp>
@@ -2521,7 +2506,6 @@
               <a:rPr lang="en-US"/>
               <a:t>Fifth level</a:t>
             </a:r>
-            <a:endParaRPr lang="en-US"/>
           </a:p>
         </p:txBody>
       </p:sp>
@@ -2560,7 +2544,7 @@
           <a:p>
             <a:fld id="{28C9491D-A6C2-4052-BA51-5D8AB95B9E9E}" type="datetimeFigureOut">
               <a:rPr lang="en-US" smtClean="0"/>
-              <a:t>3/6/2017</a:t>
+              <a:t>09-Mar-17</a:t>
             </a:fld>
             <a:endParaRPr lang="en-US"/>
           </a:p>
@@ -3050,11 +3034,7 @@
           <a:p>
             <a:r>
               <a:rPr lang="en-US"/>
-              <a:t>Design as belo</a:t>
-            </a:r>
-            <a:r>
-              <a:rPr lang="en-US"/>
-              <a:t>w</a:t>
+              <a:t>Design as below</a:t>
             </a:r>
           </a:p>
         </p:txBody>
@@ -3071,10 +3051,40 @@
         </p:nvSpPr>
         <p:spPr/>
         <p:txBody>
-          <a:bodyPr/>
-          <a:lstStyle/>
-          <a:p>
-            <a:endParaRPr lang="en-US"/>
+          <a:bodyPr>
+            <a:normAutofit lnSpcReduction="10000"/>
+          </a:bodyPr>
+          <a:lstStyle/>
+          <a:p>
+            <a:endParaRPr lang="en-US" dirty="0"/>
+          </a:p>
+          <a:p>
+            <a:endParaRPr lang="en-US" dirty="0"/>
+          </a:p>
+          <a:p>
+            <a:endParaRPr lang="en-US" dirty="0"/>
+          </a:p>
+          <a:p>
+            <a:endParaRPr lang="en-US" dirty="0"/>
+          </a:p>
+          <a:p>
+            <a:endParaRPr lang="en-US" dirty="0"/>
+          </a:p>
+          <a:p>
+            <a:endParaRPr lang="en-US" dirty="0"/>
+          </a:p>
+          <a:p>
+            <a:endParaRPr lang="en-US" dirty="0"/>
+          </a:p>
+          <a:p>
+            <a:endParaRPr lang="en-US" dirty="0"/>
+          </a:p>
+          <a:p>
+            <a:r>
+              <a:rPr lang="en-US" dirty="0"/>
+              <a:t>http://codepen.io/karthik024/pen/VpPeRP</a:t>
+            </a:r>
+            <a:endParaRPr lang="en-US" dirty="0"/>
           </a:p>
         </p:txBody>
       </p:sp>

--- a/k.pptx
+++ b/k.pptx
@@ -7,6 +7,7 @@
   <p:sldIdLst>
     <p:sldId id="256" r:id="rId2"/>
     <p:sldId id="257" r:id="rId3"/>
+    <p:sldId id="258" r:id="rId4"/>
   </p:sldIdLst>
   <p:sldSz cx="12192000" cy="6858000"/>
   <p:notesSz cx="6858000" cy="9144000"/>
@@ -3084,7 +3085,6 @@
               <a:rPr lang="en-US" dirty="0"/>
               <a:t>http://codepen.io/karthik024/pen/VpPeRP</a:t>
             </a:r>
-            <a:endParaRPr lang="en-US" dirty="0"/>
           </a:p>
         </p:txBody>
       </p:sp>
@@ -3116,6 +3116,84 @@
     <p:extLst>
       <p:ext uri="{BB962C8B-B14F-4D97-AF65-F5344CB8AC3E}">
         <p14:creationId xmlns:p14="http://schemas.microsoft.com/office/powerpoint/2010/main" val="2320538965"/>
+      </p:ext>
+    </p:extLst>
+  </p:cSld>
+  <p:clrMapOvr>
+    <a:masterClrMapping/>
+  </p:clrMapOvr>
+</p:sld>
+</file>
+
+<file path=ppt/slides/slide3.xml><?xml version="1.0" encoding="utf-8"?>
+<p:sld xmlns:a="http://schemas.openxmlformats.org/drawingml/2006/main" xmlns:r="http://schemas.openxmlformats.org/officeDocument/2006/relationships" xmlns:p="http://schemas.openxmlformats.org/presentationml/2006/main">
+  <p:cSld>
+    <p:spTree>
+      <p:nvGrpSpPr>
+        <p:cNvPr id="1" name=""/>
+        <p:cNvGrpSpPr/>
+        <p:nvPr/>
+      </p:nvGrpSpPr>
+      <p:grpSpPr>
+        <a:xfrm>
+          <a:off x="0" y="0"/>
+          <a:ext cx="0" cy="0"/>
+          <a:chOff x="0" y="0"/>
+          <a:chExt cx="0" cy="0"/>
+        </a:xfrm>
+      </p:grpSpPr>
+      <p:sp>
+        <p:nvSpPr>
+          <p:cNvPr id="2" name="Title 1"/>
+          <p:cNvSpPr>
+            <a:spLocks noGrp="1"/>
+          </p:cNvSpPr>
+          <p:nvPr>
+            <p:ph type="title"/>
+          </p:nvPr>
+        </p:nvSpPr>
+        <p:spPr/>
+        <p:txBody>
+          <a:bodyPr/>
+          <a:lstStyle/>
+          <a:p>
+            <a:endParaRPr lang="en-US"/>
+          </a:p>
+        </p:txBody>
+      </p:sp>
+      <p:pic>
+        <p:nvPicPr>
+          <p:cNvPr id="5" name="Content Placeholder 4"/>
+          <p:cNvPicPr>
+            <a:picLocks noGrp="1" noChangeAspect="1"/>
+          </p:cNvPicPr>
+          <p:nvPr>
+            <p:ph idx="1"/>
+          </p:nvPr>
+        </p:nvPicPr>
+        <p:blipFill>
+          <a:blip r:embed="rId2">
+            <a:extLst>
+              <a:ext uri="{28A0092B-C50C-407E-A947-70E740481C1C}">
+                <a14:useLocalDpi xmlns:a14="http://schemas.microsoft.com/office/drawing/2010/main" val="0"/>
+              </a:ext>
+            </a:extLst>
+          </a:blip>
+          <a:stretch>
+            <a:fillRect/>
+          </a:stretch>
+        </p:blipFill>
+        <p:spPr>
+          <a:xfrm>
+            <a:off x="99959" y="10700"/>
+            <a:ext cx="12068240" cy="6847299"/>
+          </a:xfrm>
+        </p:spPr>
+      </p:pic>
+    </p:spTree>
+    <p:extLst>
+      <p:ext uri="{BB962C8B-B14F-4D97-AF65-F5344CB8AC3E}">
+        <p14:creationId xmlns:p14="http://schemas.microsoft.com/office/powerpoint/2010/main" val="1073970068"/>
       </p:ext>
     </p:extLst>
   </p:cSld>
